--- a/docs/MPP.pptx
+++ b/docs/MPP.pptx
@@ -110,6 +110,11 @@
       </a:defRPr>
     </a:lvl9pPr>
   </p:defaultTextStyle>
+  <p:extLst>
+    <p:ext uri="{EFAFB233-063F-42B5-8137-9DF3F51BA10A}">
+      <p15:sldGuideLst xmlns:p15="http://schemas.microsoft.com/office/powerpoint/2012/main"/>
+    </p:ext>
+  </p:extLst>
 </p:presentation>
 </file>
 
@@ -3873,10 +3878,10 @@
       </p:sp>
       <p:pic>
         <p:nvPicPr>
-          <p:cNvPr id="5" name="Content Placeholder 4" descr="Diagram&#10;&#10;Description automatically generated">
-            <a:extLst>
-              <a:ext uri="{FF2B5EF4-FFF2-40B4-BE49-F238E27FC236}">
-                <a16:creationId xmlns:a16="http://schemas.microsoft.com/office/drawing/2014/main" id="{081F4693-9797-49CD-A6B5-CF4CE4059A44}"/>
+          <p:cNvPr id="7" name="Content Placeholder 6" descr="Diagram&#10;&#10;Description automatically generated">
+            <a:extLst>
+              <a:ext uri="{FF2B5EF4-FFF2-40B4-BE49-F238E27FC236}">
+                <a16:creationId xmlns:a16="http://schemas.microsoft.com/office/drawing/2014/main" id="{DE279A14-5D84-4ED7-81AC-C4F8B45B4427}"/>
               </a:ext>
             </a:extLst>
           </p:cNvPr>
@@ -3901,8 +3906,8 @@
         </p:blipFill>
         <p:spPr>
           <a:xfrm>
-            <a:off x="2200035" y="1825625"/>
-            <a:ext cx="7791930" cy="4351338"/>
+            <a:off x="1099128" y="1382279"/>
+            <a:ext cx="8719684" cy="5199112"/>
           </a:xfrm>
         </p:spPr>
       </p:pic>
